--- a/assets/Apresentação1.pptx
+++ b/assets/Apresentação1.pptx
@@ -11,6 +11,8 @@
     <p:sldId id="260" r:id="rId5"/>
     <p:sldId id="261" r:id="rId6"/>
     <p:sldId id="262" r:id="rId7"/>
+    <p:sldId id="263" r:id="rId8"/>
+    <p:sldId id="277" r:id="rId9"/>
   </p:sldIdLst>
   <p:sldSz cx="6094413" cy="1522413"/>
   <p:notesSz cx="6858000" cy="9144000"/>
@@ -109,6 +111,11 @@
       </a:defRPr>
     </a:lvl9pPr>
   </p:defaultTextStyle>
+  <p:extLst>
+    <p:ext uri="{EFAFB233-063F-42B5-8137-9DF3F51BA10A}">
+      <p15:sldGuideLst xmlns:p15="http://schemas.microsoft.com/office/powerpoint/2012/main"/>
+    </p:ext>
+  </p:extLst>
 </p:presentation>
 </file>
 
@@ -243,7 +250,7 @@
           <a:p>
             <a:fld id="{D7F36438-E8CB-4482-A138-1634A9D37725}" type="datetimeFigureOut">
               <a:rPr lang="pt-BR" smtClean="0"/>
-              <a:t>17/02/2021</a:t>
+              <a:t>19/02/2021</a:t>
             </a:fld>
             <a:endParaRPr lang="pt-BR"/>
           </a:p>
@@ -413,7 +420,7 @@
           <a:p>
             <a:fld id="{D7F36438-E8CB-4482-A138-1634A9D37725}" type="datetimeFigureOut">
               <a:rPr lang="pt-BR" smtClean="0"/>
-              <a:t>17/02/2021</a:t>
+              <a:t>19/02/2021</a:t>
             </a:fld>
             <a:endParaRPr lang="pt-BR"/>
           </a:p>
@@ -593,7 +600,7 @@
           <a:p>
             <a:fld id="{D7F36438-E8CB-4482-A138-1634A9D37725}" type="datetimeFigureOut">
               <a:rPr lang="pt-BR" smtClean="0"/>
-              <a:t>17/02/2021</a:t>
+              <a:t>19/02/2021</a:t>
             </a:fld>
             <a:endParaRPr lang="pt-BR"/>
           </a:p>
@@ -763,7 +770,7 @@
           <a:p>
             <a:fld id="{D7F36438-E8CB-4482-A138-1634A9D37725}" type="datetimeFigureOut">
               <a:rPr lang="pt-BR" smtClean="0"/>
-              <a:t>17/02/2021</a:t>
+              <a:t>19/02/2021</a:t>
             </a:fld>
             <a:endParaRPr lang="pt-BR"/>
           </a:p>
@@ -1009,7 +1016,7 @@
           <a:p>
             <a:fld id="{D7F36438-E8CB-4482-A138-1634A9D37725}" type="datetimeFigureOut">
               <a:rPr lang="pt-BR" smtClean="0"/>
-              <a:t>17/02/2021</a:t>
+              <a:t>19/02/2021</a:t>
             </a:fld>
             <a:endParaRPr lang="pt-BR"/>
           </a:p>
@@ -1241,7 +1248,7 @@
           <a:p>
             <a:fld id="{D7F36438-E8CB-4482-A138-1634A9D37725}" type="datetimeFigureOut">
               <a:rPr lang="pt-BR" smtClean="0"/>
-              <a:t>17/02/2021</a:t>
+              <a:t>19/02/2021</a:t>
             </a:fld>
             <a:endParaRPr lang="pt-BR"/>
           </a:p>
@@ -1608,7 +1615,7 @@
           <a:p>
             <a:fld id="{D7F36438-E8CB-4482-A138-1634A9D37725}" type="datetimeFigureOut">
               <a:rPr lang="pt-BR" smtClean="0"/>
-              <a:t>17/02/2021</a:t>
+              <a:t>19/02/2021</a:t>
             </a:fld>
             <a:endParaRPr lang="pt-BR"/>
           </a:p>
@@ -1726,7 +1733,7 @@
           <a:p>
             <a:fld id="{D7F36438-E8CB-4482-A138-1634A9D37725}" type="datetimeFigureOut">
               <a:rPr lang="pt-BR" smtClean="0"/>
-              <a:t>17/02/2021</a:t>
+              <a:t>19/02/2021</a:t>
             </a:fld>
             <a:endParaRPr lang="pt-BR"/>
           </a:p>
@@ -1821,7 +1828,7 @@
           <a:p>
             <a:fld id="{D7F36438-E8CB-4482-A138-1634A9D37725}" type="datetimeFigureOut">
               <a:rPr lang="pt-BR" smtClean="0"/>
-              <a:t>17/02/2021</a:t>
+              <a:t>19/02/2021</a:t>
             </a:fld>
             <a:endParaRPr lang="pt-BR"/>
           </a:p>
@@ -2098,7 +2105,7 @@
           <a:p>
             <a:fld id="{D7F36438-E8CB-4482-A138-1634A9D37725}" type="datetimeFigureOut">
               <a:rPr lang="pt-BR" smtClean="0"/>
-              <a:t>17/02/2021</a:t>
+              <a:t>19/02/2021</a:t>
             </a:fld>
             <a:endParaRPr lang="pt-BR"/>
           </a:p>
@@ -2355,7 +2362,7 @@
           <a:p>
             <a:fld id="{D7F36438-E8CB-4482-A138-1634A9D37725}" type="datetimeFigureOut">
               <a:rPr lang="pt-BR" smtClean="0"/>
-              <a:t>17/02/2021</a:t>
+              <a:t>19/02/2021</a:t>
             </a:fld>
             <a:endParaRPr lang="pt-BR"/>
           </a:p>
@@ -2568,7 +2575,7 @@
           <a:p>
             <a:fld id="{D7F36438-E8CB-4482-A138-1634A9D37725}" type="datetimeFigureOut">
               <a:rPr lang="pt-BR" smtClean="0"/>
-              <a:t>17/02/2021</a:t>
+              <a:t>19/02/2021</a:t>
             </a:fld>
             <a:endParaRPr lang="pt-BR"/>
           </a:p>
@@ -3871,6 +3878,324 @@
 </p:sld>
 </file>
 
+<file path=ppt/slides/slide7.xml><?xml version="1.0" encoding="utf-8"?>
+<p:sld xmlns:a="http://schemas.openxmlformats.org/drawingml/2006/main" xmlns:r="http://schemas.openxmlformats.org/officeDocument/2006/relationships" xmlns:p="http://schemas.openxmlformats.org/presentationml/2006/main">
+  <p:cSld>
+    <p:spTree>
+      <p:nvGrpSpPr>
+        <p:cNvPr id="1" name=""/>
+        <p:cNvGrpSpPr/>
+        <p:nvPr/>
+      </p:nvGrpSpPr>
+      <p:grpSpPr>
+        <a:xfrm>
+          <a:off x="0" y="0"/>
+          <a:ext cx="0" cy="0"/>
+          <a:chOff x="0" y="0"/>
+          <a:chExt cx="0" cy="0"/>
+        </a:xfrm>
+      </p:grpSpPr>
+      <p:pic>
+        <p:nvPicPr>
+          <p:cNvPr id="14" name="Imagem 13">
+            <a:extLst>
+              <a:ext uri="{FF2B5EF4-FFF2-40B4-BE49-F238E27FC236}">
+                <a16:creationId xmlns:a16="http://schemas.microsoft.com/office/drawing/2014/main" id="{D292765E-D083-4BD5-9E2C-09B4BC107AA8}"/>
+              </a:ext>
+            </a:extLst>
+          </p:cNvPr>
+          <p:cNvPicPr>
+            <a:picLocks noChangeAspect="1"/>
+          </p:cNvPicPr>
+          <p:nvPr/>
+        </p:nvPicPr>
+        <p:blipFill>
+          <a:blip r:embed="rId2">
+            <a:extLst>
+              <a:ext uri="{28A0092B-C50C-407E-A947-70E740481C1C}">
+                <a14:useLocalDpi xmlns:a14="http://schemas.microsoft.com/office/drawing/2010/main" val="0"/>
+              </a:ext>
+            </a:extLst>
+          </a:blip>
+          <a:srcRect/>
+          <a:stretch/>
+        </p:blipFill>
+        <p:spPr>
+          <a:xfrm>
+            <a:off x="0" y="150"/>
+            <a:ext cx="1469770" cy="1521341"/>
+          </a:xfrm>
+          <a:prstGeom prst="rect">
+            <a:avLst/>
+          </a:prstGeom>
+        </p:spPr>
+      </p:pic>
+      <p:sp>
+        <p:nvSpPr>
+          <p:cNvPr id="20" name="CaixaDeTexto 19">
+            <a:extLst>
+              <a:ext uri="{FF2B5EF4-FFF2-40B4-BE49-F238E27FC236}">
+                <a16:creationId xmlns:a16="http://schemas.microsoft.com/office/drawing/2014/main" id="{3F6A36DB-79FC-43F8-B67A-E21BFA93F035}"/>
+              </a:ext>
+            </a:extLst>
+          </p:cNvPr>
+          <p:cNvSpPr txBox="1"/>
+          <p:nvPr/>
+        </p:nvSpPr>
+        <p:spPr>
+          <a:xfrm>
+            <a:off x="1469772" y="0"/>
+            <a:ext cx="4624641" cy="369332"/>
+          </a:xfrm>
+          <a:prstGeom prst="rect">
+            <a:avLst/>
+          </a:prstGeom>
+          <a:noFill/>
+        </p:spPr>
+        <p:txBody>
+          <a:bodyPr wrap="square" rtlCol="0">
+            <a:spAutoFit/>
+          </a:bodyPr>
+          <a:lstStyle/>
+          <a:p>
+            <a:r>
+              <a:rPr lang="pt-BR" b="1" dirty="0"/>
+              <a:t>07 – PHP - Fundamentos</a:t>
+            </a:r>
+          </a:p>
+        </p:txBody>
+      </p:sp>
+      <p:sp>
+        <p:nvSpPr>
+          <p:cNvPr id="21" name="CaixaDeTexto 20">
+            <a:extLst>
+              <a:ext uri="{FF2B5EF4-FFF2-40B4-BE49-F238E27FC236}">
+                <a16:creationId xmlns:a16="http://schemas.microsoft.com/office/drawing/2014/main" id="{0B7BCEB1-024A-4AA5-8CAF-80F2DC20D4FB}"/>
+              </a:ext>
+            </a:extLst>
+          </p:cNvPr>
+          <p:cNvSpPr txBox="1"/>
+          <p:nvPr/>
+        </p:nvSpPr>
+        <p:spPr>
+          <a:xfrm>
+            <a:off x="1469772" y="369332"/>
+            <a:ext cx="4624641" cy="738664"/>
+          </a:xfrm>
+          <a:prstGeom prst="rect">
+            <a:avLst/>
+          </a:prstGeom>
+          <a:noFill/>
+        </p:spPr>
+        <p:txBody>
+          <a:bodyPr wrap="square" rtlCol="0">
+            <a:spAutoFit/>
+          </a:bodyPr>
+          <a:lstStyle/>
+          <a:p>
+            <a:pPr marL="171450" indent="-171450">
+              <a:buFont typeface="Arial" panose="020B0604020202020204" pitchFamily="34" charset="0"/>
+              <a:buChar char="•"/>
+            </a:pPr>
+            <a:r>
+              <a:rPr lang="pt-BR" sz="1400" dirty="0"/>
+              <a:t>16 Horas</a:t>
+            </a:r>
+          </a:p>
+          <a:p>
+            <a:pPr marL="171450" indent="-171450">
+              <a:buFont typeface="Arial" panose="020B0604020202020204" pitchFamily="34" charset="0"/>
+              <a:buChar char="•"/>
+            </a:pPr>
+            <a:r>
+              <a:rPr lang="pt-BR" sz="1400" dirty="0"/>
+              <a:t>14 Exercícios</a:t>
+            </a:r>
+          </a:p>
+          <a:p>
+            <a:pPr marL="171450" indent="-171450">
+              <a:buFont typeface="Arial" panose="020B0604020202020204" pitchFamily="34" charset="0"/>
+              <a:buChar char="•"/>
+            </a:pPr>
+            <a:r>
+              <a:rPr lang="pt-BR" sz="1400" dirty="0"/>
+              <a:t>14 Desafios de Código</a:t>
+            </a:r>
+          </a:p>
+        </p:txBody>
+      </p:sp>
+    </p:spTree>
+    <p:extLst>
+      <p:ext uri="{BB962C8B-B14F-4D97-AF65-F5344CB8AC3E}">
+        <p14:creationId xmlns:p14="http://schemas.microsoft.com/office/powerpoint/2010/main" val="4292334217"/>
+      </p:ext>
+    </p:extLst>
+  </p:cSld>
+  <p:clrMapOvr>
+    <a:masterClrMapping/>
+  </p:clrMapOvr>
+</p:sld>
+</file>
+
+<file path=ppt/slides/slide8.xml><?xml version="1.0" encoding="utf-8"?>
+<p:sld xmlns:a="http://schemas.openxmlformats.org/drawingml/2006/main" xmlns:r="http://schemas.openxmlformats.org/officeDocument/2006/relationships" xmlns:p="http://schemas.openxmlformats.org/presentationml/2006/main">
+  <p:cSld>
+    <p:spTree>
+      <p:nvGrpSpPr>
+        <p:cNvPr id="1" name=""/>
+        <p:cNvGrpSpPr/>
+        <p:nvPr/>
+      </p:nvGrpSpPr>
+      <p:grpSpPr>
+        <a:xfrm>
+          <a:off x="0" y="0"/>
+          <a:ext cx="0" cy="0"/>
+          <a:chOff x="0" y="0"/>
+          <a:chExt cx="0" cy="0"/>
+        </a:xfrm>
+      </p:grpSpPr>
+      <p:pic>
+        <p:nvPicPr>
+          <p:cNvPr id="14" name="Imagem 13">
+            <a:extLst>
+              <a:ext uri="{FF2B5EF4-FFF2-40B4-BE49-F238E27FC236}">
+                <a16:creationId xmlns:a16="http://schemas.microsoft.com/office/drawing/2014/main" id="{D292765E-D083-4BD5-9E2C-09B4BC107AA8}"/>
+              </a:ext>
+            </a:extLst>
+          </p:cNvPr>
+          <p:cNvPicPr>
+            <a:picLocks noChangeAspect="1"/>
+          </p:cNvPicPr>
+          <p:nvPr/>
+        </p:nvPicPr>
+        <p:blipFill>
+          <a:blip r:embed="rId2">
+            <a:extLst>
+              <a:ext uri="{28A0092B-C50C-407E-A947-70E740481C1C}">
+                <a14:useLocalDpi xmlns:a14="http://schemas.microsoft.com/office/drawing/2010/main" val="0"/>
+              </a:ext>
+            </a:extLst>
+          </a:blip>
+          <a:srcRect/>
+          <a:stretch/>
+        </p:blipFill>
+        <p:spPr>
+          <a:xfrm>
+            <a:off x="0" y="150"/>
+            <a:ext cx="1469770" cy="1521341"/>
+          </a:xfrm>
+          <a:prstGeom prst="rect">
+            <a:avLst/>
+          </a:prstGeom>
+        </p:spPr>
+      </p:pic>
+      <p:sp>
+        <p:nvSpPr>
+          <p:cNvPr id="20" name="CaixaDeTexto 19">
+            <a:extLst>
+              <a:ext uri="{FF2B5EF4-FFF2-40B4-BE49-F238E27FC236}">
+                <a16:creationId xmlns:a16="http://schemas.microsoft.com/office/drawing/2014/main" id="{3F6A36DB-79FC-43F8-B67A-E21BFA93F035}"/>
+              </a:ext>
+            </a:extLst>
+          </p:cNvPr>
+          <p:cNvSpPr txBox="1"/>
+          <p:nvPr/>
+        </p:nvSpPr>
+        <p:spPr>
+          <a:xfrm>
+            <a:off x="1469772" y="0"/>
+            <a:ext cx="4624641" cy="369332"/>
+          </a:xfrm>
+          <a:prstGeom prst="rect">
+            <a:avLst/>
+          </a:prstGeom>
+          <a:noFill/>
+        </p:spPr>
+        <p:txBody>
+          <a:bodyPr wrap="square" rtlCol="0">
+            <a:spAutoFit/>
+          </a:bodyPr>
+          <a:lstStyle/>
+          <a:p>
+            <a:r>
+              <a:rPr lang="pt-BR" b="1" dirty="0"/>
+              <a:t>08 – PHP – Orientado a Objetos (Parte 1/2)</a:t>
+            </a:r>
+          </a:p>
+        </p:txBody>
+      </p:sp>
+      <p:sp>
+        <p:nvSpPr>
+          <p:cNvPr id="21" name="CaixaDeTexto 20">
+            <a:extLst>
+              <a:ext uri="{FF2B5EF4-FFF2-40B4-BE49-F238E27FC236}">
+                <a16:creationId xmlns:a16="http://schemas.microsoft.com/office/drawing/2014/main" id="{0B7BCEB1-024A-4AA5-8CAF-80F2DC20D4FB}"/>
+              </a:ext>
+            </a:extLst>
+          </p:cNvPr>
+          <p:cNvSpPr txBox="1"/>
+          <p:nvPr/>
+        </p:nvSpPr>
+        <p:spPr>
+          <a:xfrm>
+            <a:off x="1469772" y="369332"/>
+            <a:ext cx="4624641" cy="738664"/>
+          </a:xfrm>
+          <a:prstGeom prst="rect">
+            <a:avLst/>
+          </a:prstGeom>
+          <a:noFill/>
+        </p:spPr>
+        <p:txBody>
+          <a:bodyPr wrap="square" rtlCol="0">
+            <a:spAutoFit/>
+          </a:bodyPr>
+          <a:lstStyle/>
+          <a:p>
+            <a:pPr marL="171450" indent="-171450">
+              <a:buFont typeface="Arial" panose="020B0604020202020204" pitchFamily="34" charset="0"/>
+              <a:buChar char="•"/>
+            </a:pPr>
+            <a:r>
+              <a:rPr lang="pt-BR" sz="1400" dirty="0"/>
+              <a:t>14 Horas</a:t>
+            </a:r>
+          </a:p>
+          <a:p>
+            <a:pPr marL="171450" indent="-171450">
+              <a:buFont typeface="Arial" panose="020B0604020202020204" pitchFamily="34" charset="0"/>
+              <a:buChar char="•"/>
+            </a:pPr>
+            <a:r>
+              <a:rPr lang="pt-BR" sz="1400" dirty="0"/>
+              <a:t>27 Exercícios</a:t>
+            </a:r>
+          </a:p>
+          <a:p>
+            <a:pPr marL="171450" indent="-171450">
+              <a:buFont typeface="Arial" panose="020B0604020202020204" pitchFamily="34" charset="0"/>
+              <a:buChar char="•"/>
+            </a:pPr>
+            <a:r>
+              <a:rPr lang="pt-BR" sz="1400" dirty="0"/>
+              <a:t>9 Desafios de Código</a:t>
+            </a:r>
+          </a:p>
+        </p:txBody>
+      </p:sp>
+    </p:spTree>
+    <p:extLst>
+      <p:ext uri="{BB962C8B-B14F-4D97-AF65-F5344CB8AC3E}">
+        <p14:creationId xmlns:p14="http://schemas.microsoft.com/office/powerpoint/2010/main" val="583810654"/>
+      </p:ext>
+    </p:extLst>
+  </p:cSld>
+  <p:clrMapOvr>
+    <a:masterClrMapping/>
+  </p:clrMapOvr>
+</p:sld>
+</file>
+
 <file path=ppt/theme/theme1.xml><?xml version="1.0" encoding="utf-8"?>
 <a:theme xmlns:a="http://schemas.openxmlformats.org/drawingml/2006/main" name="Tema do Office">
   <a:themeElements>
